--- a/21. Análise do Ciclo de Vida.pptx
+++ b/21. Análise do Ciclo de Vida.pptx
@@ -9,6 +9,7 @@
   </p:notesMasterIdLst>
   <p:sldIdLst>
     <p:sldId id="256" r:id="rId5"/>
+    <p:sldId id="257" r:id="rId6"/>
   </p:sldIdLst>
   <p:sldSz cy="6858000" cx="12192000"/>
   <p:notesSz cx="6858000" cy="9144000"/>
@@ -243,7 +244,7 @@
   </p:defaultTextStyle>
   <p:extLst>
     <p:ext uri="http://customooxmlschemas.google.com/">
-      <go:slidesCustomData xmlns:go="http://customooxmlschemas.google.com/" r:id="rId6" roundtripDataSignature="AMtx7mjuyGXK9z0Zbkau+KfjSDWlpZwvKQ=="/>
+      <go:slidesCustomData xmlns:go="http://customooxmlschemas.google.com/" r:id="rId7" roundtripDataSignature="AMtx7mjygfnm/dgXUWHRdlCXd1kLSRvAyw=="/>
     </p:ext>
   </p:extLst>
 </p:presentation>
@@ -743,6 +744,105 @@
           <a:xfrm>
             <a:off x="1143225" y="685800"/>
             <a:ext cx="4572225" cy="3429000"/>
+          </a:xfrm>
+          <a:custGeom>
+            <a:rect b="b" l="l" r="r" t="t"/>
+            <a:pathLst>
+              <a:path extrusionOk="0" h="120000" w="120000">
+                <a:moveTo>
+                  <a:pt x="0" y="0"/>
+                </a:moveTo>
+                <a:lnTo>
+                  <a:pt x="120000" y="0"/>
+                </a:lnTo>
+                <a:lnTo>
+                  <a:pt x="120000" y="120000"/>
+                </a:lnTo>
+                <a:lnTo>
+                  <a:pt x="0" y="120000"/>
+                </a:lnTo>
+                <a:close/>
+              </a:path>
+            </a:pathLst>
+          </a:custGeom>
+        </p:spPr>
+      </p:sp>
+    </p:spTree>
+  </p:cSld>
+  <p:clrMapOvr>
+    <a:masterClrMapping/>
+  </p:clrMapOvr>
+</p:notes>
+</file>
+
+<file path=ppt/notesSlides/notesSlide2.xml><?xml version="1.0" encoding="utf-8"?>
+<p:notes xmlns:a="http://schemas.openxmlformats.org/drawingml/2006/main" xmlns:r="http://schemas.openxmlformats.org/officeDocument/2006/relationships" xmlns:mc="http://schemas.openxmlformats.org/markup-compatibility/2006" xmlns:mv="urn:schemas-microsoft-com:mac:vml" xmlns:p="http://schemas.openxmlformats.org/presentationml/2006/main" xmlns:c="http://schemas.openxmlformats.org/drawingml/2006/chart" xmlns:dgm="http://schemas.openxmlformats.org/drawingml/2006/diagram" xmlns:o="urn:schemas-microsoft-com:office:office" xmlns:v="urn:schemas-microsoft-com:vml" xmlns:pvml="urn:schemas-microsoft-com:office:powerpoint" xmlns:com="http://schemas.openxmlformats.org/drawingml/2006/compatibility" xmlns:p14="http://schemas.microsoft.com/office/powerpoint/2010/main" xmlns:p15="http://schemas.microsoft.com/office/powerpoint/2012/main" xmlns:ahyp="http://schemas.microsoft.com/office/drawing/2018/hyperlinkcolor" showMasterPhAnim="0" showMasterSp="0">
+  <p:cSld>
+    <p:spTree>
+      <p:nvGrpSpPr>
+        <p:cNvPr id="101" name="Shape 101"/>
+        <p:cNvGrpSpPr/>
+        <p:nvPr/>
+      </p:nvGrpSpPr>
+      <p:grpSpPr>
+        <a:xfrm>
+          <a:off x="0" y="0"/>
+          <a:ext cx="0" cy="0"/>
+          <a:chOff x="0" y="0"/>
+          <a:chExt cx="0" cy="0"/>
+        </a:xfrm>
+      </p:grpSpPr>
+      <p:sp>
+        <p:nvSpPr>
+          <p:cNvPr id="102" name="Google Shape;102;g9e873f01dd_0_1:notes"/>
+          <p:cNvSpPr txBox="1"/>
+          <p:nvPr>
+            <p:ph idx="1" type="body"/>
+          </p:nvPr>
+        </p:nvSpPr>
+        <p:spPr>
+          <a:xfrm>
+            <a:off x="685800" y="4343400"/>
+            <a:ext cx="5486400" cy="4114800"/>
+          </a:xfrm>
+          <a:prstGeom prst="rect">
+            <a:avLst/>
+          </a:prstGeom>
+        </p:spPr>
+        <p:txBody>
+          <a:bodyPr anchorCtr="0" anchor="t" bIns="91425" lIns="91425" spcFirstLastPara="1" rIns="91425" wrap="square" tIns="91425">
+            <a:noAutofit/>
+          </a:bodyPr>
+          <a:lstStyle/>
+          <a:p>
+            <a:pPr indent="0" lvl="0" marL="0" rtl="0" algn="l">
+              <a:spcBef>
+                <a:spcPts val="0"/>
+              </a:spcBef>
+              <a:spcAft>
+                <a:spcPts val="0"/>
+              </a:spcAft>
+              <a:buNone/>
+            </a:pPr>
+            <a:r>
+              <a:t/>
+            </a:r>
+            <a:endParaRPr/>
+          </a:p>
+        </p:txBody>
+      </p:sp>
+      <p:sp>
+        <p:nvSpPr>
+          <p:cNvPr id="103" name="Google Shape;103;g9e873f01dd_0_1:notes"/>
+          <p:cNvSpPr/>
+          <p:nvPr>
+            <p:ph idx="2" type="sldImg"/>
+          </p:nvPr>
+        </p:nvSpPr>
+        <p:spPr>
+          <a:xfrm>
+            <a:off x="1143225" y="685800"/>
+            <a:ext cx="4572300" cy="3429000"/>
           </a:xfrm>
           <a:custGeom>
             <a:rect b="b" l="l" r="r" t="t"/>
@@ -11287,7 +11387,7 @@
         <p:spPr>
           <a:xfrm>
             <a:off x="1490069" y="3556040"/>
-            <a:ext cx="3800656" cy="369332"/>
+            <a:ext cx="3800700" cy="369300"/>
           </a:xfrm>
           <a:prstGeom prst="rect">
             <a:avLst/>
@@ -11719,7 +11819,7 @@
         <p:spPr>
           <a:xfrm>
             <a:off x="1900400" y="818275"/>
-            <a:ext cx="3701700" cy="696900"/>
+            <a:ext cx="4674300" cy="696900"/>
           </a:xfrm>
           <a:prstGeom prst="rect">
             <a:avLst/>
@@ -11751,9 +11851,123 @@
                 <a:cs typeface="Calibri"/>
                 <a:sym typeface="Calibri"/>
               </a:rPr>
-              <a:t>Depósito de dados: Cliente</a:t>
+              <a:t>Cenário I - Depósito de dados: Pedido</a:t>
             </a:r>
             <a:endParaRPr sz="2100">
+              <a:latin typeface="Calibri"/>
+              <a:ea typeface="Calibri"/>
+              <a:cs typeface="Calibri"/>
+              <a:sym typeface="Calibri"/>
+            </a:endParaRPr>
+          </a:p>
+        </p:txBody>
+      </p:sp>
+      <p:sp>
+        <p:nvSpPr>
+          <p:cNvPr id="99" name="Google Shape;99;p1"/>
+          <p:cNvSpPr/>
+          <p:nvPr/>
+        </p:nvSpPr>
+        <p:spPr>
+          <a:xfrm>
+            <a:off x="6536095" y="5142091"/>
+            <a:ext cx="401100" cy="401100"/>
+          </a:xfrm>
+          <a:prstGeom prst="ellipse">
+            <a:avLst/>
+          </a:prstGeom>
+          <a:solidFill>
+            <a:schemeClr val="dk1"/>
+          </a:solidFill>
+          <a:ln cap="flat" cmpd="sng" w="12700">
+            <a:solidFill>
+              <a:schemeClr val="dk1"/>
+            </a:solidFill>
+            <a:prstDash val="solid"/>
+            <a:miter lim="800000"/>
+            <a:headEnd len="sm" w="sm" type="none"/>
+            <a:tailEnd len="sm" w="sm" type="none"/>
+          </a:ln>
+        </p:spPr>
+        <p:txBody>
+          <a:bodyPr anchorCtr="0" anchor="ctr" bIns="45700" lIns="91425" spcFirstLastPara="1" rIns="91425" wrap="square" tIns="45700">
+            <a:noAutofit/>
+          </a:bodyPr>
+          <a:lstStyle/>
+          <a:p>
+            <a:pPr indent="0" lvl="0" marL="0" marR="0" rtl="0" algn="ctr">
+              <a:spcBef>
+                <a:spcPts val="0"/>
+              </a:spcBef>
+              <a:spcAft>
+                <a:spcPts val="0"/>
+              </a:spcAft>
+              <a:buNone/>
+            </a:pPr>
+            <a:r>
+              <a:t/>
+            </a:r>
+            <a:endParaRPr sz="1800">
+              <a:solidFill>
+                <a:schemeClr val="lt1"/>
+              </a:solidFill>
+              <a:latin typeface="Calibri"/>
+              <a:ea typeface="Calibri"/>
+              <a:cs typeface="Calibri"/>
+              <a:sym typeface="Calibri"/>
+            </a:endParaRPr>
+          </a:p>
+        </p:txBody>
+      </p:sp>
+      <p:sp>
+        <p:nvSpPr>
+          <p:cNvPr id="100" name="Google Shape;100;p1"/>
+          <p:cNvSpPr/>
+          <p:nvPr/>
+        </p:nvSpPr>
+        <p:spPr>
+          <a:xfrm>
+            <a:off x="6599861" y="5205857"/>
+            <a:ext cx="273600" cy="273600"/>
+          </a:xfrm>
+          <a:prstGeom prst="ellipse">
+            <a:avLst/>
+          </a:prstGeom>
+          <a:solidFill>
+            <a:schemeClr val="lt2"/>
+          </a:solidFill>
+          <a:ln cap="flat" cmpd="sng" w="12700">
+            <a:solidFill>
+              <a:schemeClr val="dk1"/>
+            </a:solidFill>
+            <a:prstDash val="solid"/>
+            <a:miter lim="800000"/>
+            <a:headEnd len="sm" w="sm" type="none"/>
+            <a:tailEnd len="sm" w="sm" type="none"/>
+          </a:ln>
+        </p:spPr>
+        <p:txBody>
+          <a:bodyPr anchorCtr="0" anchor="ctr" bIns="45700" lIns="91425" spcFirstLastPara="1" rIns="91425" wrap="square" tIns="45700">
+            <a:noAutofit/>
+          </a:bodyPr>
+          <a:lstStyle/>
+          <a:p>
+            <a:pPr indent="0" lvl="0" marL="0" marR="0" rtl="0" algn="ctr">
+              <a:spcBef>
+                <a:spcPts val="0"/>
+              </a:spcBef>
+              <a:spcAft>
+                <a:spcPts val="0"/>
+              </a:spcAft>
+              <a:buNone/>
+            </a:pPr>
+            <a:r>
+              <a:t/>
+            </a:r>
+            <a:endParaRPr sz="1800">
+              <a:solidFill>
+                <a:schemeClr val="lt1"/>
+              </a:solidFill>
               <a:latin typeface="Calibri"/>
               <a:ea typeface="Calibri"/>
               <a:cs typeface="Calibri"/>
@@ -11770,7 +11984,1379 @@
 </p:sld>
 </file>
 
+<file path=ppt/slides/slide2.xml><?xml version="1.0" encoding="utf-8"?>
+<p:sld xmlns:a="http://schemas.openxmlformats.org/drawingml/2006/main" xmlns:r="http://schemas.openxmlformats.org/officeDocument/2006/relationships" xmlns:mc="http://schemas.openxmlformats.org/markup-compatibility/2006" xmlns:mv="urn:schemas-microsoft-com:mac:vml" xmlns:p="http://schemas.openxmlformats.org/presentationml/2006/main" xmlns:c="http://schemas.openxmlformats.org/drawingml/2006/chart" xmlns:dgm="http://schemas.openxmlformats.org/drawingml/2006/diagram" xmlns:o="urn:schemas-microsoft-com:office:office" xmlns:v="urn:schemas-microsoft-com:vml" xmlns:pvml="urn:schemas-microsoft-com:office:powerpoint" xmlns:com="http://schemas.openxmlformats.org/drawingml/2006/compatibility" xmlns:p14="http://schemas.microsoft.com/office/powerpoint/2010/main" xmlns:p15="http://schemas.microsoft.com/office/powerpoint/2012/main" xmlns:ahyp="http://schemas.microsoft.com/office/drawing/2018/hyperlinkcolor">
+  <p:cSld>
+    <p:spTree>
+      <p:nvGrpSpPr>
+        <p:cNvPr id="104" name="Shape 104"/>
+        <p:cNvGrpSpPr/>
+        <p:nvPr/>
+      </p:nvGrpSpPr>
+      <p:grpSpPr>
+        <a:xfrm>
+          <a:off x="0" y="0"/>
+          <a:ext cx="0" cy="0"/>
+          <a:chOff x="0" y="0"/>
+          <a:chExt cx="0" cy="0"/>
+        </a:xfrm>
+      </p:grpSpPr>
+      <p:sp>
+        <p:nvSpPr>
+          <p:cNvPr id="105" name="Google Shape;105;g9e873f01dd_0_1"/>
+          <p:cNvSpPr/>
+          <p:nvPr/>
+        </p:nvSpPr>
+        <p:spPr>
+          <a:xfrm>
+            <a:off x="3012670" y="809263"/>
+            <a:ext cx="401100" cy="401100"/>
+          </a:xfrm>
+          <a:prstGeom prst="ellipse">
+            <a:avLst/>
+          </a:prstGeom>
+          <a:solidFill>
+            <a:schemeClr val="dk1"/>
+          </a:solidFill>
+          <a:ln cap="flat" cmpd="sng" w="12700">
+            <a:solidFill>
+              <a:schemeClr val="dk1"/>
+            </a:solidFill>
+            <a:prstDash val="solid"/>
+            <a:miter lim="800000"/>
+            <a:headEnd len="sm" w="sm" type="none"/>
+            <a:tailEnd len="sm" w="sm" type="none"/>
+          </a:ln>
+        </p:spPr>
+        <p:txBody>
+          <a:bodyPr anchorCtr="0" anchor="ctr" bIns="45700" lIns="91425" spcFirstLastPara="1" rIns="91425" wrap="square" tIns="45700">
+            <a:noAutofit/>
+          </a:bodyPr>
+          <a:lstStyle/>
+          <a:p>
+            <a:pPr indent="0" lvl="0" marL="0" marR="0" rtl="0" algn="ctr">
+              <a:spcBef>
+                <a:spcPts val="0"/>
+              </a:spcBef>
+              <a:spcAft>
+                <a:spcPts val="0"/>
+              </a:spcAft>
+              <a:buNone/>
+            </a:pPr>
+            <a:r>
+              <a:t/>
+            </a:r>
+            <a:endParaRPr b="0" i="0" sz="1800" u="none" cap="none" strike="noStrike">
+              <a:solidFill>
+                <a:schemeClr val="lt1"/>
+              </a:solidFill>
+              <a:latin typeface="Calibri"/>
+              <a:ea typeface="Calibri"/>
+              <a:cs typeface="Calibri"/>
+              <a:sym typeface="Calibri"/>
+            </a:endParaRPr>
+          </a:p>
+        </p:txBody>
+      </p:sp>
+      <p:cxnSp>
+        <p:nvCxnSpPr>
+          <p:cNvPr id="106" name="Google Shape;106;g9e873f01dd_0_1"/>
+          <p:cNvCxnSpPr>
+            <a:stCxn id="105" idx="4"/>
+          </p:cNvCxnSpPr>
+          <p:nvPr/>
+        </p:nvCxnSpPr>
+        <p:spPr>
+          <a:xfrm>
+            <a:off x="3213220" y="1210363"/>
+            <a:ext cx="0" cy="696900"/>
+          </a:xfrm>
+          <a:prstGeom prst="straightConnector1">
+            <a:avLst/>
+          </a:prstGeom>
+          <a:noFill/>
+          <a:ln cap="flat" cmpd="sng" w="9525">
+            <a:solidFill>
+              <a:schemeClr val="dk1"/>
+            </a:solidFill>
+            <a:prstDash val="solid"/>
+            <a:miter lim="800000"/>
+            <a:headEnd len="sm" w="sm" type="none"/>
+            <a:tailEnd len="med" w="med" type="triangle"/>
+          </a:ln>
+        </p:spPr>
+      </p:cxnSp>
+      <p:sp>
+        <p:nvSpPr>
+          <p:cNvPr id="107" name="Google Shape;107;g9e873f01dd_0_1"/>
+          <p:cNvSpPr/>
+          <p:nvPr/>
+        </p:nvSpPr>
+        <p:spPr>
+          <a:xfrm>
+            <a:off x="2213454" y="3418298"/>
+            <a:ext cx="1999200" cy="804000"/>
+          </a:xfrm>
+          <a:prstGeom prst="roundRect">
+            <a:avLst>
+              <a:gd fmla="val 16667" name="adj"/>
+            </a:avLst>
+          </a:prstGeom>
+          <a:solidFill>
+            <a:schemeClr val="lt1"/>
+          </a:solidFill>
+          <a:ln cap="flat" cmpd="sng" w="12700">
+            <a:solidFill>
+              <a:schemeClr val="dk1"/>
+            </a:solidFill>
+            <a:prstDash val="solid"/>
+            <a:miter lim="800000"/>
+            <a:headEnd len="sm" w="sm" type="none"/>
+            <a:tailEnd len="sm" w="sm" type="none"/>
+          </a:ln>
+        </p:spPr>
+        <p:txBody>
+          <a:bodyPr anchorCtr="0" anchor="ctr" bIns="45700" lIns="91425" spcFirstLastPara="1" rIns="91425" wrap="square" tIns="45700">
+            <a:noAutofit/>
+          </a:bodyPr>
+          <a:lstStyle/>
+          <a:p>
+            <a:pPr indent="0" lvl="0" marL="0" marR="0" rtl="0" algn="ctr">
+              <a:spcBef>
+                <a:spcPts val="0"/>
+              </a:spcBef>
+              <a:spcAft>
+                <a:spcPts val="0"/>
+              </a:spcAft>
+              <a:buNone/>
+            </a:pPr>
+            <a:r>
+              <a:rPr b="0" i="0" lang="pt-BR" sz="1800" u="none" cap="none" strike="noStrike">
+                <a:solidFill>
+                  <a:schemeClr val="dk1"/>
+                </a:solidFill>
+                <a:latin typeface="Calibri"/>
+                <a:ea typeface="Calibri"/>
+                <a:cs typeface="Calibri"/>
+                <a:sym typeface="Calibri"/>
+              </a:rPr>
+              <a:t>Aberto</a:t>
+            </a:r>
+            <a:endParaRPr/>
+          </a:p>
+        </p:txBody>
+      </p:sp>
+      <p:sp>
+        <p:nvSpPr>
+          <p:cNvPr id="108" name="Google Shape;108;g9e873f01dd_0_1"/>
+          <p:cNvSpPr txBox="1"/>
+          <p:nvPr/>
+        </p:nvSpPr>
+        <p:spPr>
+          <a:xfrm>
+            <a:off x="2027325" y="1261075"/>
+            <a:ext cx="2811600" cy="646200"/>
+          </a:xfrm>
+          <a:prstGeom prst="rect">
+            <a:avLst/>
+          </a:prstGeom>
+          <a:noFill/>
+          <a:ln>
+            <a:noFill/>
+          </a:ln>
+        </p:spPr>
+        <p:txBody>
+          <a:bodyPr anchorCtr="0" anchor="t" bIns="45700" lIns="91425" spcFirstLastPara="1" rIns="91425" wrap="square" tIns="45700">
+            <a:noAutofit/>
+          </a:bodyPr>
+          <a:lstStyle/>
+          <a:p>
+            <a:pPr indent="0" lvl="0" marL="0" marR="0" rtl="0" algn="l">
+              <a:spcBef>
+                <a:spcPts val="0"/>
+              </a:spcBef>
+              <a:spcAft>
+                <a:spcPts val="0"/>
+              </a:spcAft>
+              <a:buNone/>
+            </a:pPr>
+            <a:r>
+              <a:rPr lang="pt-BR" sz="1800">
+                <a:solidFill>
+                  <a:schemeClr val="dk1"/>
+                </a:solidFill>
+                <a:latin typeface="Calibri"/>
+                <a:ea typeface="Calibri"/>
+                <a:cs typeface="Calibri"/>
+                <a:sym typeface="Calibri"/>
+              </a:rPr>
+              <a:t>Verificar comprovante da venda</a:t>
+            </a:r>
+            <a:endParaRPr/>
+          </a:p>
+          <a:p>
+            <a:pPr indent="0" lvl="0" marL="0" marR="0" rtl="0" algn="l">
+              <a:spcBef>
+                <a:spcPts val="0"/>
+              </a:spcBef>
+              <a:spcAft>
+                <a:spcPts val="0"/>
+              </a:spcAft>
+              <a:buNone/>
+            </a:pPr>
+            <a:r>
+              <a:t/>
+            </a:r>
+            <a:endParaRPr sz="1800">
+              <a:solidFill>
+                <a:schemeClr val="dk1"/>
+              </a:solidFill>
+              <a:latin typeface="Calibri"/>
+              <a:ea typeface="Calibri"/>
+              <a:cs typeface="Calibri"/>
+              <a:sym typeface="Calibri"/>
+            </a:endParaRPr>
+          </a:p>
+        </p:txBody>
+      </p:sp>
+      <p:cxnSp>
+        <p:nvCxnSpPr>
+          <p:cNvPr id="109" name="Google Shape;109;g9e873f01dd_0_1"/>
+          <p:cNvCxnSpPr>
+            <a:stCxn id="107" idx="2"/>
+            <a:endCxn id="110" idx="0"/>
+          </p:cNvCxnSpPr>
+          <p:nvPr/>
+        </p:nvCxnSpPr>
+        <p:spPr>
+          <a:xfrm>
+            <a:off x="3213054" y="4222298"/>
+            <a:ext cx="300" cy="804900"/>
+          </a:xfrm>
+          <a:prstGeom prst="straightConnector1">
+            <a:avLst/>
+          </a:prstGeom>
+          <a:noFill/>
+          <a:ln cap="flat" cmpd="sng" w="9525">
+            <a:solidFill>
+              <a:schemeClr val="dk1"/>
+            </a:solidFill>
+            <a:prstDash val="solid"/>
+            <a:miter lim="800000"/>
+            <a:headEnd len="sm" w="sm" type="none"/>
+            <a:tailEnd len="med" w="med" type="triangle"/>
+          </a:ln>
+        </p:spPr>
+      </p:cxnSp>
+      <p:cxnSp>
+        <p:nvCxnSpPr>
+          <p:cNvPr id="111" name="Google Shape;111;g9e873f01dd_0_1"/>
+          <p:cNvCxnSpPr>
+            <a:stCxn id="107" idx="3"/>
+            <a:endCxn id="112" idx="1"/>
+          </p:cNvCxnSpPr>
+          <p:nvPr/>
+        </p:nvCxnSpPr>
+        <p:spPr>
+          <a:xfrm>
+            <a:off x="4212654" y="3820298"/>
+            <a:ext cx="2811900" cy="0"/>
+          </a:xfrm>
+          <a:prstGeom prst="straightConnector1">
+            <a:avLst/>
+          </a:prstGeom>
+          <a:noFill/>
+          <a:ln cap="flat" cmpd="sng" w="9525">
+            <a:solidFill>
+              <a:schemeClr val="dk1"/>
+            </a:solidFill>
+            <a:prstDash val="solid"/>
+            <a:miter lim="800000"/>
+            <a:headEnd len="sm" w="sm" type="none"/>
+            <a:tailEnd len="med" w="med" type="triangle"/>
+          </a:ln>
+        </p:spPr>
+      </p:cxnSp>
+      <p:sp>
+        <p:nvSpPr>
+          <p:cNvPr id="112" name="Google Shape;112;g9e873f01dd_0_1"/>
+          <p:cNvSpPr/>
+          <p:nvPr/>
+        </p:nvSpPr>
+        <p:spPr>
+          <a:xfrm>
+            <a:off x="7024464" y="3418298"/>
+            <a:ext cx="1999200" cy="804000"/>
+          </a:xfrm>
+          <a:prstGeom prst="roundRect">
+            <a:avLst>
+              <a:gd fmla="val 16667" name="adj"/>
+            </a:avLst>
+          </a:prstGeom>
+          <a:solidFill>
+            <a:schemeClr val="lt1"/>
+          </a:solidFill>
+          <a:ln cap="flat" cmpd="sng" w="12700">
+            <a:solidFill>
+              <a:schemeClr val="dk1"/>
+            </a:solidFill>
+            <a:prstDash val="solid"/>
+            <a:miter lim="800000"/>
+            <a:headEnd len="sm" w="sm" type="none"/>
+            <a:tailEnd len="sm" w="sm" type="none"/>
+          </a:ln>
+        </p:spPr>
+        <p:txBody>
+          <a:bodyPr anchorCtr="0" anchor="ctr" bIns="45700" lIns="91425" spcFirstLastPara="1" rIns="91425" wrap="square" tIns="45700">
+            <a:noAutofit/>
+          </a:bodyPr>
+          <a:lstStyle/>
+          <a:p>
+            <a:pPr indent="0" lvl="0" marL="0" marR="0" rtl="0" algn="ctr">
+              <a:spcBef>
+                <a:spcPts val="0"/>
+              </a:spcBef>
+              <a:spcAft>
+                <a:spcPts val="0"/>
+              </a:spcAft>
+              <a:buNone/>
+            </a:pPr>
+            <a:r>
+              <a:rPr lang="pt-BR" sz="1800">
+                <a:solidFill>
+                  <a:schemeClr val="dk1"/>
+                </a:solidFill>
+                <a:latin typeface="Calibri"/>
+                <a:ea typeface="Calibri"/>
+                <a:cs typeface="Calibri"/>
+                <a:sym typeface="Calibri"/>
+              </a:rPr>
+              <a:t>Compra em processamento</a:t>
+            </a:r>
+            <a:endParaRPr/>
+          </a:p>
+        </p:txBody>
+      </p:sp>
+      <p:cxnSp>
+        <p:nvCxnSpPr>
+          <p:cNvPr id="113" name="Google Shape;113;g9e873f01dd_0_1"/>
+          <p:cNvCxnSpPr>
+            <a:stCxn id="112" idx="2"/>
+            <a:endCxn id="110" idx="3"/>
+          </p:cNvCxnSpPr>
+          <p:nvPr/>
+        </p:nvCxnSpPr>
+        <p:spPr>
+          <a:xfrm flipH="1">
+            <a:off x="4212864" y="4222298"/>
+            <a:ext cx="3811200" cy="1206900"/>
+          </a:xfrm>
+          <a:prstGeom prst="straightConnector1">
+            <a:avLst/>
+          </a:prstGeom>
+          <a:noFill/>
+          <a:ln cap="flat" cmpd="sng" w="9525">
+            <a:solidFill>
+              <a:schemeClr val="dk1"/>
+            </a:solidFill>
+            <a:prstDash val="solid"/>
+            <a:miter lim="800000"/>
+            <a:headEnd len="sm" w="sm" type="none"/>
+            <a:tailEnd len="med" w="med" type="triangle"/>
+          </a:ln>
+        </p:spPr>
+      </p:cxnSp>
+      <p:sp>
+        <p:nvSpPr>
+          <p:cNvPr id="114" name="Google Shape;114;g9e873f01dd_0_1"/>
+          <p:cNvSpPr txBox="1"/>
+          <p:nvPr/>
+        </p:nvSpPr>
+        <p:spPr>
+          <a:xfrm rot="-1042901">
+            <a:off x="4970325" y="4926724"/>
+            <a:ext cx="2632092" cy="369294"/>
+          </a:xfrm>
+          <a:prstGeom prst="rect">
+            <a:avLst/>
+          </a:prstGeom>
+          <a:noFill/>
+          <a:ln>
+            <a:noFill/>
+          </a:ln>
+        </p:spPr>
+        <p:txBody>
+          <a:bodyPr anchorCtr="0" anchor="t" bIns="45700" lIns="91425" spcFirstLastPara="1" rIns="91425" wrap="square" tIns="45700">
+            <a:noAutofit/>
+          </a:bodyPr>
+          <a:lstStyle/>
+          <a:p>
+            <a:pPr indent="0" lvl="0" marL="0" marR="0" rtl="0" algn="l">
+              <a:spcBef>
+                <a:spcPts val="0"/>
+              </a:spcBef>
+              <a:spcAft>
+                <a:spcPts val="0"/>
+              </a:spcAft>
+              <a:buNone/>
+            </a:pPr>
+            <a:r>
+              <a:rPr lang="pt-BR" sz="1800">
+                <a:solidFill>
+                  <a:schemeClr val="dk1"/>
+                </a:solidFill>
+                <a:latin typeface="Calibri"/>
+                <a:ea typeface="Calibri"/>
+                <a:cs typeface="Calibri"/>
+                <a:sym typeface="Calibri"/>
+              </a:rPr>
+              <a:t>Tratar a resposta da operação realizada</a:t>
+            </a:r>
+            <a:endParaRPr/>
+          </a:p>
+        </p:txBody>
+      </p:sp>
+      <p:sp>
+        <p:nvSpPr>
+          <p:cNvPr id="115" name="Google Shape;115;g9e873f01dd_0_1"/>
+          <p:cNvSpPr txBox="1"/>
+          <p:nvPr/>
+        </p:nvSpPr>
+        <p:spPr>
+          <a:xfrm>
+            <a:off x="1887625" y="101350"/>
+            <a:ext cx="7136100" cy="696900"/>
+          </a:xfrm>
+          <a:prstGeom prst="rect">
+            <a:avLst/>
+          </a:prstGeom>
+          <a:noFill/>
+          <a:ln>
+            <a:noFill/>
+          </a:ln>
+        </p:spPr>
+        <p:txBody>
+          <a:bodyPr anchorCtr="0" anchor="t" bIns="91425" lIns="91425" spcFirstLastPara="1" rIns="91425" wrap="square" tIns="91425">
+            <a:noAutofit/>
+          </a:bodyPr>
+          <a:lstStyle/>
+          <a:p>
+            <a:pPr indent="0" lvl="0" marL="0" rtl="0" algn="l">
+              <a:spcBef>
+                <a:spcPts val="0"/>
+              </a:spcBef>
+              <a:spcAft>
+                <a:spcPts val="0"/>
+              </a:spcAft>
+              <a:buNone/>
+            </a:pPr>
+            <a:r>
+              <a:rPr lang="pt-BR" sz="2100">
+                <a:latin typeface="Calibri"/>
+                <a:ea typeface="Calibri"/>
+                <a:cs typeface="Calibri"/>
+                <a:sym typeface="Calibri"/>
+              </a:rPr>
+              <a:t>Cenário</a:t>
+            </a:r>
+            <a:r>
+              <a:rPr lang="pt-BR" sz="2100">
+                <a:latin typeface="Calibri"/>
+                <a:ea typeface="Calibri"/>
+                <a:cs typeface="Calibri"/>
+                <a:sym typeface="Calibri"/>
+              </a:rPr>
+              <a:t> II - </a:t>
+            </a:r>
+            <a:r>
+              <a:rPr lang="pt-BR" sz="2100">
+                <a:latin typeface="Calibri"/>
+                <a:ea typeface="Calibri"/>
+                <a:cs typeface="Calibri"/>
+                <a:sym typeface="Calibri"/>
+              </a:rPr>
+              <a:t>Depósito de dados: Comprovante de venda</a:t>
+            </a:r>
+            <a:endParaRPr sz="2100">
+              <a:latin typeface="Calibri"/>
+              <a:ea typeface="Calibri"/>
+              <a:cs typeface="Calibri"/>
+              <a:sym typeface="Calibri"/>
+            </a:endParaRPr>
+          </a:p>
+        </p:txBody>
+      </p:sp>
+      <p:sp>
+        <p:nvSpPr>
+          <p:cNvPr id="116" name="Google Shape;116;g9e873f01dd_0_1"/>
+          <p:cNvSpPr txBox="1"/>
+          <p:nvPr/>
+        </p:nvSpPr>
+        <p:spPr>
+          <a:xfrm>
+            <a:off x="2332675" y="2821038"/>
+            <a:ext cx="2811600" cy="646200"/>
+          </a:xfrm>
+          <a:prstGeom prst="rect">
+            <a:avLst/>
+          </a:prstGeom>
+          <a:noFill/>
+          <a:ln>
+            <a:noFill/>
+          </a:ln>
+        </p:spPr>
+        <p:txBody>
+          <a:bodyPr anchorCtr="0" anchor="t" bIns="45700" lIns="91425" spcFirstLastPara="1" rIns="91425" wrap="square" tIns="45700">
+            <a:noAutofit/>
+          </a:bodyPr>
+          <a:lstStyle/>
+          <a:p>
+            <a:pPr indent="0" lvl="0" marL="0" marR="0" rtl="0" algn="l">
+              <a:spcBef>
+                <a:spcPts val="0"/>
+              </a:spcBef>
+              <a:spcAft>
+                <a:spcPts val="0"/>
+              </a:spcAft>
+              <a:buNone/>
+            </a:pPr>
+            <a:r>
+              <a:rPr lang="pt-BR" sz="1800">
+                <a:solidFill>
+                  <a:schemeClr val="dk1"/>
+                </a:solidFill>
+                <a:latin typeface="Calibri"/>
+                <a:ea typeface="Calibri"/>
+                <a:cs typeface="Calibri"/>
+                <a:sym typeface="Calibri"/>
+              </a:rPr>
+              <a:t>Receber produto</a:t>
+            </a:r>
+            <a:endParaRPr/>
+          </a:p>
+          <a:p>
+            <a:pPr indent="0" lvl="0" marL="0" marR="0" rtl="0" algn="l">
+              <a:spcBef>
+                <a:spcPts val="0"/>
+              </a:spcBef>
+              <a:spcAft>
+                <a:spcPts val="0"/>
+              </a:spcAft>
+              <a:buNone/>
+            </a:pPr>
+            <a:r>
+              <a:t/>
+            </a:r>
+            <a:endParaRPr sz="1800">
+              <a:solidFill>
+                <a:schemeClr val="dk1"/>
+              </a:solidFill>
+              <a:latin typeface="Calibri"/>
+              <a:ea typeface="Calibri"/>
+              <a:cs typeface="Calibri"/>
+              <a:sym typeface="Calibri"/>
+            </a:endParaRPr>
+          </a:p>
+        </p:txBody>
+      </p:sp>
+      <p:sp>
+        <p:nvSpPr>
+          <p:cNvPr id="117" name="Google Shape;117;g9e873f01dd_0_1"/>
+          <p:cNvSpPr txBox="1"/>
+          <p:nvPr/>
+        </p:nvSpPr>
+        <p:spPr>
+          <a:xfrm>
+            <a:off x="1887625" y="4381000"/>
+            <a:ext cx="2811600" cy="646200"/>
+          </a:xfrm>
+          <a:prstGeom prst="rect">
+            <a:avLst/>
+          </a:prstGeom>
+          <a:noFill/>
+          <a:ln>
+            <a:noFill/>
+          </a:ln>
+        </p:spPr>
+        <p:txBody>
+          <a:bodyPr anchorCtr="0" anchor="t" bIns="45700" lIns="91425" spcFirstLastPara="1" rIns="91425" wrap="square" tIns="45700">
+            <a:noAutofit/>
+          </a:bodyPr>
+          <a:lstStyle/>
+          <a:p>
+            <a:pPr indent="0" lvl="0" marL="0" marR="0" rtl="0" algn="l">
+              <a:spcBef>
+                <a:spcPts val="0"/>
+              </a:spcBef>
+              <a:spcAft>
+                <a:spcPts val="0"/>
+              </a:spcAft>
+              <a:buNone/>
+            </a:pPr>
+            <a:r>
+              <a:rPr lang="pt-BR" sz="1800">
+                <a:solidFill>
+                  <a:schemeClr val="dk1"/>
+                </a:solidFill>
+                <a:latin typeface="Calibri"/>
+                <a:ea typeface="Calibri"/>
+                <a:cs typeface="Calibri"/>
+                <a:sym typeface="Calibri"/>
+              </a:rPr>
+              <a:t>Receber diferença de valor em dinheiro</a:t>
+            </a:r>
+            <a:endParaRPr/>
+          </a:p>
+          <a:p>
+            <a:pPr indent="0" lvl="0" marL="0" marR="0" rtl="0" algn="l">
+              <a:spcBef>
+                <a:spcPts val="0"/>
+              </a:spcBef>
+              <a:spcAft>
+                <a:spcPts val="0"/>
+              </a:spcAft>
+              <a:buNone/>
+            </a:pPr>
+            <a:r>
+              <a:t/>
+            </a:r>
+            <a:endParaRPr sz="1800">
+              <a:solidFill>
+                <a:schemeClr val="dk1"/>
+              </a:solidFill>
+              <a:latin typeface="Calibri"/>
+              <a:ea typeface="Calibri"/>
+              <a:cs typeface="Calibri"/>
+              <a:sym typeface="Calibri"/>
+            </a:endParaRPr>
+          </a:p>
+        </p:txBody>
+      </p:sp>
+      <p:sp>
+        <p:nvSpPr>
+          <p:cNvPr id="118" name="Google Shape;118;g9e873f01dd_0_1"/>
+          <p:cNvSpPr txBox="1"/>
+          <p:nvPr/>
+        </p:nvSpPr>
+        <p:spPr>
+          <a:xfrm>
+            <a:off x="1887625" y="5921075"/>
+            <a:ext cx="2811600" cy="646200"/>
+          </a:xfrm>
+          <a:prstGeom prst="rect">
+            <a:avLst/>
+          </a:prstGeom>
+          <a:noFill/>
+          <a:ln>
+            <a:noFill/>
+          </a:ln>
+        </p:spPr>
+        <p:txBody>
+          <a:bodyPr anchorCtr="0" anchor="t" bIns="45700" lIns="91425" spcFirstLastPara="1" rIns="91425" wrap="square" tIns="45700">
+            <a:noAutofit/>
+          </a:bodyPr>
+          <a:lstStyle/>
+          <a:p>
+            <a:pPr indent="0" lvl="0" marL="0" marR="0" rtl="0" algn="l">
+              <a:spcBef>
+                <a:spcPts val="0"/>
+              </a:spcBef>
+              <a:spcAft>
+                <a:spcPts val="0"/>
+              </a:spcAft>
+              <a:buNone/>
+            </a:pPr>
+            <a:r>
+              <a:rPr lang="pt-BR" sz="1800">
+                <a:solidFill>
+                  <a:schemeClr val="dk1"/>
+                </a:solidFill>
+                <a:latin typeface="Calibri"/>
+                <a:ea typeface="Calibri"/>
+                <a:cs typeface="Calibri"/>
+                <a:sym typeface="Calibri"/>
+              </a:rPr>
+              <a:t>Efetuar a troca do produto</a:t>
+            </a:r>
+            <a:endParaRPr/>
+          </a:p>
+          <a:p>
+            <a:pPr indent="0" lvl="0" marL="0" marR="0" rtl="0" algn="l">
+              <a:spcBef>
+                <a:spcPts val="0"/>
+              </a:spcBef>
+              <a:spcAft>
+                <a:spcPts val="0"/>
+              </a:spcAft>
+              <a:buNone/>
+            </a:pPr>
+            <a:r>
+              <a:t/>
+            </a:r>
+            <a:endParaRPr sz="1800">
+              <a:solidFill>
+                <a:schemeClr val="dk1"/>
+              </a:solidFill>
+              <a:latin typeface="Calibri"/>
+              <a:ea typeface="Calibri"/>
+              <a:cs typeface="Calibri"/>
+              <a:sym typeface="Calibri"/>
+            </a:endParaRPr>
+          </a:p>
+        </p:txBody>
+      </p:sp>
+      <p:sp>
+        <p:nvSpPr>
+          <p:cNvPr id="119" name="Google Shape;119;g9e873f01dd_0_1"/>
+          <p:cNvSpPr txBox="1"/>
+          <p:nvPr/>
+        </p:nvSpPr>
+        <p:spPr>
+          <a:xfrm>
+            <a:off x="4212800" y="3186550"/>
+            <a:ext cx="2811600" cy="646200"/>
+          </a:xfrm>
+          <a:prstGeom prst="rect">
+            <a:avLst/>
+          </a:prstGeom>
+          <a:noFill/>
+          <a:ln>
+            <a:noFill/>
+          </a:ln>
+        </p:spPr>
+        <p:txBody>
+          <a:bodyPr anchorCtr="0" anchor="t" bIns="45700" lIns="91425" spcFirstLastPara="1" rIns="91425" wrap="square" tIns="45700">
+            <a:noAutofit/>
+          </a:bodyPr>
+          <a:lstStyle/>
+          <a:p>
+            <a:pPr indent="0" lvl="0" marL="0" marR="0" rtl="0" algn="l">
+              <a:spcBef>
+                <a:spcPts val="0"/>
+              </a:spcBef>
+              <a:spcAft>
+                <a:spcPts val="0"/>
+              </a:spcAft>
+              <a:buNone/>
+            </a:pPr>
+            <a:r>
+              <a:rPr lang="pt-BR" sz="1800">
+                <a:solidFill>
+                  <a:schemeClr val="dk1"/>
+                </a:solidFill>
+                <a:latin typeface="Calibri"/>
+                <a:ea typeface="Calibri"/>
+                <a:cs typeface="Calibri"/>
+                <a:sym typeface="Calibri"/>
+              </a:rPr>
+              <a:t>Receber diferença de valor em cartão de crédito/débito</a:t>
+            </a:r>
+            <a:endParaRPr/>
+          </a:p>
+          <a:p>
+            <a:pPr indent="0" lvl="0" marL="0" marR="0" rtl="0" algn="l">
+              <a:spcBef>
+                <a:spcPts val="0"/>
+              </a:spcBef>
+              <a:spcAft>
+                <a:spcPts val="0"/>
+              </a:spcAft>
+              <a:buNone/>
+            </a:pPr>
+            <a:r>
+              <a:t/>
+            </a:r>
+            <a:endParaRPr sz="1800">
+              <a:solidFill>
+                <a:schemeClr val="dk1"/>
+              </a:solidFill>
+              <a:latin typeface="Calibri"/>
+              <a:ea typeface="Calibri"/>
+              <a:cs typeface="Calibri"/>
+              <a:sym typeface="Calibri"/>
+            </a:endParaRPr>
+          </a:p>
+        </p:txBody>
+      </p:sp>
+      <p:sp>
+        <p:nvSpPr>
+          <p:cNvPr id="120" name="Google Shape;120;g9e873f01dd_0_1"/>
+          <p:cNvSpPr/>
+          <p:nvPr/>
+        </p:nvSpPr>
+        <p:spPr>
+          <a:xfrm>
+            <a:off x="2213454" y="1907273"/>
+            <a:ext cx="1999200" cy="804000"/>
+          </a:xfrm>
+          <a:prstGeom prst="roundRect">
+            <a:avLst>
+              <a:gd fmla="val 16667" name="adj"/>
+            </a:avLst>
+          </a:prstGeom>
+          <a:solidFill>
+            <a:schemeClr val="lt1"/>
+          </a:solidFill>
+          <a:ln cap="flat" cmpd="sng" w="12700">
+            <a:solidFill>
+              <a:schemeClr val="dk1"/>
+            </a:solidFill>
+            <a:prstDash val="solid"/>
+            <a:miter lim="800000"/>
+            <a:headEnd len="sm" w="sm" type="none"/>
+            <a:tailEnd len="sm" w="sm" type="none"/>
+          </a:ln>
+        </p:spPr>
+        <p:txBody>
+          <a:bodyPr anchorCtr="0" anchor="ctr" bIns="45700" lIns="91425" spcFirstLastPara="1" rIns="91425" wrap="square" tIns="45700">
+            <a:noAutofit/>
+          </a:bodyPr>
+          <a:lstStyle/>
+          <a:p>
+            <a:pPr indent="0" lvl="0" marL="0" marR="0" rtl="0" algn="ctr">
+              <a:spcBef>
+                <a:spcPts val="0"/>
+              </a:spcBef>
+              <a:spcAft>
+                <a:spcPts val="0"/>
+              </a:spcAft>
+              <a:buNone/>
+            </a:pPr>
+            <a:r>
+              <a:rPr lang="pt-BR" sz="1800">
+                <a:solidFill>
+                  <a:schemeClr val="dk1"/>
+                </a:solidFill>
+                <a:latin typeface="Calibri"/>
+                <a:ea typeface="Calibri"/>
+                <a:cs typeface="Calibri"/>
+                <a:sym typeface="Calibri"/>
+              </a:rPr>
+              <a:t>Verificado</a:t>
+            </a:r>
+            <a:endParaRPr/>
+          </a:p>
+        </p:txBody>
+      </p:sp>
+      <p:cxnSp>
+        <p:nvCxnSpPr>
+          <p:cNvPr id="121" name="Google Shape;121;g9e873f01dd_0_1"/>
+          <p:cNvCxnSpPr>
+            <a:stCxn id="120" idx="2"/>
+            <a:endCxn id="107" idx="0"/>
+          </p:cNvCxnSpPr>
+          <p:nvPr/>
+        </p:nvCxnSpPr>
+        <p:spPr>
+          <a:xfrm>
+            <a:off x="3213054" y="2711273"/>
+            <a:ext cx="0" cy="707100"/>
+          </a:xfrm>
+          <a:prstGeom prst="straightConnector1">
+            <a:avLst/>
+          </a:prstGeom>
+          <a:noFill/>
+          <a:ln cap="flat" cmpd="sng" w="9525">
+            <a:solidFill>
+              <a:schemeClr val="dk1"/>
+            </a:solidFill>
+            <a:prstDash val="solid"/>
+            <a:miter lim="800000"/>
+            <a:headEnd len="sm" w="sm" type="none"/>
+            <a:tailEnd len="med" w="med" type="triangle"/>
+          </a:ln>
+        </p:spPr>
+      </p:cxnSp>
+      <p:sp>
+        <p:nvSpPr>
+          <p:cNvPr id="110" name="Google Shape;110;g9e873f01dd_0_1"/>
+          <p:cNvSpPr/>
+          <p:nvPr/>
+        </p:nvSpPr>
+        <p:spPr>
+          <a:xfrm>
+            <a:off x="2213614" y="5027198"/>
+            <a:ext cx="1999200" cy="804000"/>
+          </a:xfrm>
+          <a:prstGeom prst="roundRect">
+            <a:avLst>
+              <a:gd fmla="val 16667" name="adj"/>
+            </a:avLst>
+          </a:prstGeom>
+          <a:solidFill>
+            <a:schemeClr val="lt1"/>
+          </a:solidFill>
+          <a:ln cap="flat" cmpd="sng" w="12700">
+            <a:solidFill>
+              <a:schemeClr val="dk1"/>
+            </a:solidFill>
+            <a:prstDash val="solid"/>
+            <a:miter lim="800000"/>
+            <a:headEnd len="sm" w="sm" type="none"/>
+            <a:tailEnd len="sm" w="sm" type="none"/>
+          </a:ln>
+        </p:spPr>
+        <p:txBody>
+          <a:bodyPr anchorCtr="0" anchor="ctr" bIns="45700" lIns="91425" spcFirstLastPara="1" rIns="91425" wrap="square" tIns="45700">
+            <a:noAutofit/>
+          </a:bodyPr>
+          <a:lstStyle/>
+          <a:p>
+            <a:pPr indent="0" lvl="0" marL="0" marR="0" rtl="0" algn="ctr">
+              <a:spcBef>
+                <a:spcPts val="0"/>
+              </a:spcBef>
+              <a:spcAft>
+                <a:spcPts val="0"/>
+              </a:spcAft>
+              <a:buNone/>
+            </a:pPr>
+            <a:r>
+              <a:rPr lang="pt-BR" sz="1800">
+                <a:solidFill>
+                  <a:schemeClr val="dk1"/>
+                </a:solidFill>
+                <a:latin typeface="Calibri"/>
+                <a:ea typeface="Calibri"/>
+                <a:cs typeface="Calibri"/>
+                <a:sym typeface="Calibri"/>
+              </a:rPr>
+              <a:t>Pago</a:t>
+            </a:r>
+            <a:endParaRPr/>
+          </a:p>
+        </p:txBody>
+      </p:sp>
+      <p:sp>
+        <p:nvSpPr>
+          <p:cNvPr id="122" name="Google Shape;122;g9e873f01dd_0_1"/>
+          <p:cNvSpPr/>
+          <p:nvPr/>
+        </p:nvSpPr>
+        <p:spPr>
+          <a:xfrm>
+            <a:off x="3012495" y="6430216"/>
+            <a:ext cx="401100" cy="401100"/>
+          </a:xfrm>
+          <a:prstGeom prst="ellipse">
+            <a:avLst/>
+          </a:prstGeom>
+          <a:solidFill>
+            <a:schemeClr val="dk1"/>
+          </a:solidFill>
+          <a:ln cap="flat" cmpd="sng" w="12700">
+            <a:solidFill>
+              <a:schemeClr val="dk1"/>
+            </a:solidFill>
+            <a:prstDash val="solid"/>
+            <a:miter lim="800000"/>
+            <a:headEnd len="sm" w="sm" type="none"/>
+            <a:tailEnd len="sm" w="sm" type="none"/>
+          </a:ln>
+        </p:spPr>
+        <p:txBody>
+          <a:bodyPr anchorCtr="0" anchor="ctr" bIns="45700" lIns="91425" spcFirstLastPara="1" rIns="91425" wrap="square" tIns="45700">
+            <a:noAutofit/>
+          </a:bodyPr>
+          <a:lstStyle/>
+          <a:p>
+            <a:pPr indent="0" lvl="0" marL="0" marR="0" rtl="0" algn="ctr">
+              <a:spcBef>
+                <a:spcPts val="0"/>
+              </a:spcBef>
+              <a:spcAft>
+                <a:spcPts val="0"/>
+              </a:spcAft>
+              <a:buNone/>
+            </a:pPr>
+            <a:r>
+              <a:t/>
+            </a:r>
+            <a:endParaRPr sz="1800">
+              <a:solidFill>
+                <a:schemeClr val="lt1"/>
+              </a:solidFill>
+              <a:latin typeface="Calibri"/>
+              <a:ea typeface="Calibri"/>
+              <a:cs typeface="Calibri"/>
+              <a:sym typeface="Calibri"/>
+            </a:endParaRPr>
+          </a:p>
+        </p:txBody>
+      </p:sp>
+      <p:sp>
+        <p:nvSpPr>
+          <p:cNvPr id="123" name="Google Shape;123;g9e873f01dd_0_1"/>
+          <p:cNvSpPr/>
+          <p:nvPr/>
+        </p:nvSpPr>
+        <p:spPr>
+          <a:xfrm>
+            <a:off x="3076261" y="6493982"/>
+            <a:ext cx="273600" cy="273600"/>
+          </a:xfrm>
+          <a:prstGeom prst="ellipse">
+            <a:avLst/>
+          </a:prstGeom>
+          <a:solidFill>
+            <a:schemeClr val="lt2"/>
+          </a:solidFill>
+          <a:ln cap="flat" cmpd="sng" w="12700">
+            <a:solidFill>
+              <a:schemeClr val="dk1"/>
+            </a:solidFill>
+            <a:prstDash val="solid"/>
+            <a:miter lim="800000"/>
+            <a:headEnd len="sm" w="sm" type="none"/>
+            <a:tailEnd len="sm" w="sm" type="none"/>
+          </a:ln>
+        </p:spPr>
+        <p:txBody>
+          <a:bodyPr anchorCtr="0" anchor="ctr" bIns="45700" lIns="91425" spcFirstLastPara="1" rIns="91425" wrap="square" tIns="45700">
+            <a:noAutofit/>
+          </a:bodyPr>
+          <a:lstStyle/>
+          <a:p>
+            <a:pPr indent="0" lvl="0" marL="0" marR="0" rtl="0" algn="ctr">
+              <a:spcBef>
+                <a:spcPts val="0"/>
+              </a:spcBef>
+              <a:spcAft>
+                <a:spcPts val="0"/>
+              </a:spcAft>
+              <a:buNone/>
+            </a:pPr>
+            <a:r>
+              <a:t/>
+            </a:r>
+            <a:endParaRPr sz="1800">
+              <a:solidFill>
+                <a:schemeClr val="lt1"/>
+              </a:solidFill>
+              <a:latin typeface="Calibri"/>
+              <a:ea typeface="Calibri"/>
+              <a:cs typeface="Calibri"/>
+              <a:sym typeface="Calibri"/>
+            </a:endParaRPr>
+          </a:p>
+        </p:txBody>
+      </p:sp>
+      <p:cxnSp>
+        <p:nvCxnSpPr>
+          <p:cNvPr id="124" name="Google Shape;124;g9e873f01dd_0_1"/>
+          <p:cNvCxnSpPr>
+            <a:stCxn id="110" idx="2"/>
+          </p:cNvCxnSpPr>
+          <p:nvPr/>
+        </p:nvCxnSpPr>
+        <p:spPr>
+          <a:xfrm flipH="1">
+            <a:off x="3209314" y="5831198"/>
+            <a:ext cx="3900" cy="636600"/>
+          </a:xfrm>
+          <a:prstGeom prst="straightConnector1">
+            <a:avLst/>
+          </a:prstGeom>
+          <a:noFill/>
+          <a:ln cap="flat" cmpd="sng" w="9525">
+            <a:solidFill>
+              <a:schemeClr val="dk1"/>
+            </a:solidFill>
+            <a:prstDash val="solid"/>
+            <a:miter lim="800000"/>
+            <a:headEnd len="sm" w="sm" type="none"/>
+            <a:tailEnd len="med" w="med" type="triangle"/>
+          </a:ln>
+        </p:spPr>
+      </p:cxnSp>
+    </p:spTree>
+  </p:cSld>
+  <p:clrMapOvr>
+    <a:masterClrMapping/>
+  </p:clrMapOvr>
+</p:sld>
+</file>
+
 <file path=ppt/theme/theme1.xml><?xml version="1.0" encoding="utf-8"?>
+<a:theme xmlns:a="http://schemas.openxmlformats.org/drawingml/2006/main" xmlns:r="http://schemas.openxmlformats.org/officeDocument/2006/relationships">
+  <a:themeElements>
+    <a:clrScheme name="Default">
+      <a:dk1>
+        <a:srgbClr val="000000"/>
+      </a:dk1>
+      <a:lt1>
+        <a:srgbClr val="FFFFFF"/>
+      </a:lt1>
+      <a:dk2>
+        <a:srgbClr val="158158"/>
+      </a:dk2>
+      <a:lt2>
+        <a:srgbClr val="F3F3F3"/>
+      </a:lt2>
+      <a:accent1>
+        <a:srgbClr val="058DC7"/>
+      </a:accent1>
+      <a:accent2>
+        <a:srgbClr val="50B432"/>
+      </a:accent2>
+      <a:accent3>
+        <a:srgbClr val="ED561B"/>
+      </a:accent3>
+      <a:accent4>
+        <a:srgbClr val="EDEF00"/>
+      </a:accent4>
+      <a:accent5>
+        <a:srgbClr val="24CBE5"/>
+      </a:accent5>
+      <a:accent6>
+        <a:srgbClr val="64E572"/>
+      </a:accent6>
+      <a:hlink>
+        <a:srgbClr val="2200CC"/>
+      </a:hlink>
+      <a:folHlink>
+        <a:srgbClr val="551A8B"/>
+      </a:folHlink>
+    </a:clrScheme>
+    <a:fontScheme name="Office">
+      <a:majorFont>
+        <a:latin typeface="Arial"/>
+        <a:ea typeface=""/>
+        <a:cs typeface=""/>
+        <a:font script="Jpan" typeface="ＭＳ Ｐゴシック"/>
+        <a:font script="Hang" typeface="맑은 고딕"/>
+        <a:font script="Hans" typeface="宋体"/>
+        <a:font script="Hant" typeface="新細明體"/>
+        <a:font script="Arab" typeface="Times New Roman"/>
+        <a:font script="Hebr" typeface="Times New Roman"/>
+        <a:font script="Thai" typeface="Angsana New"/>
+        <a:font script="Ethi" typeface="Nyala"/>
+        <a:font script="Beng" typeface="Vrinda"/>
+        <a:font script="Gujr" typeface="Shruti"/>
+        <a:font script="Khmr" typeface="MoolBoran"/>
+        <a:font script="Knda" typeface="Tunga"/>
+        <a:font script="Guru" typeface="Raavi"/>
+        <a:font script="Cans" typeface="Euphemia"/>
+        <a:font script="Cher" typeface="Plantagenet Cherokee"/>
+        <a:font script="Yiii" typeface="Microsoft Yi Baiti"/>
+        <a:font script="Tibt" typeface="Microsoft Himalaya"/>
+        <a:font script="Thaa" typeface="MV Boli"/>
+        <a:font script="Deva" typeface="Mangal"/>
+        <a:font script="Telu" typeface="Gautami"/>
+        <a:font script="Taml" typeface="Latha"/>
+        <a:font script="Syrc" typeface="Estrangelo Edessa"/>
+        <a:font script="Orya" typeface="Kalinga"/>
+        <a:font script="Mlym" typeface="Kartika"/>
+        <a:font script="Laoo" typeface="DokChampa"/>
+        <a:font script="Sinh" typeface="Iskoola Pota"/>
+        <a:font script="Mong" typeface="Mongolian Baiti"/>
+        <a:font script="Viet" typeface="Times New Roman"/>
+        <a:font script="Uigh" typeface="Microsoft Uighur"/>
+        <a:font script="Geor" typeface="Sylfaen"/>
+      </a:majorFont>
+      <a:minorFont>
+        <a:latin typeface="Arial"/>
+        <a:ea typeface=""/>
+        <a:cs typeface=""/>
+        <a:font script="Jpan" typeface="ＭＳ Ｐゴシック"/>
+        <a:font script="Hang" typeface="맑은 고딕"/>
+        <a:font script="Hans" typeface="宋体"/>
+        <a:font script="Hant" typeface="新細明體"/>
+        <a:font script="Arab" typeface="Arial"/>
+        <a:font script="Hebr" typeface="Arial"/>
+        <a:font script="Thai" typeface="Cordia New"/>
+        <a:font script="Ethi" typeface="Nyala"/>
+        <a:font script="Beng" typeface="Vrinda"/>
+        <a:font script="Gujr" typeface="Shruti"/>
+        <a:font script="Khmr" typeface="DaunPenh"/>
+        <a:font script="Knda" typeface="Tunga"/>
+        <a:font script="Guru" typeface="Raavi"/>
+        <a:font script="Cans" typeface="Euphemia"/>
+        <a:font script="Cher" typeface="Plantagenet Cherokee"/>
+        <a:font script="Yiii" typeface="Microsoft Yi Baiti"/>
+        <a:font script="Tibt" typeface="Microsoft Himalaya"/>
+        <a:font script="Thaa" typeface="MV Boli"/>
+        <a:font script="Deva" typeface="Mangal"/>
+        <a:font script="Telu" typeface="Gautami"/>
+        <a:font script="Taml" typeface="Latha"/>
+        <a:font script="Syrc" typeface="Estrangelo Edessa"/>
+        <a:font script="Orya" typeface="Kalinga"/>
+        <a:font script="Mlym" typeface="Kartika"/>
+        <a:font script="Laoo" typeface="DokChampa"/>
+        <a:font script="Sinh" typeface="Iskoola Pota"/>
+        <a:font script="Mong" typeface="Mongolian Baiti"/>
+        <a:font script="Viet" typeface="Arial"/>
+        <a:font script="Uigh" typeface="Microsoft Uighur"/>
+        <a:font script="Geor" typeface="Sylfaen"/>
+      </a:minorFont>
+    </a:fontScheme>
+    <a:fmtScheme name="Office">
+      <a:fillStyleLst>
+        <a:solidFill>
+          <a:schemeClr val="phClr"/>
+        </a:solidFill>
+        <a:gradFill rotWithShape="1">
+          <a:gsLst>
+            <a:gs pos="0">
+              <a:schemeClr val="phClr">
+                <a:tint val="50000"/>
+                <a:satMod val="300000"/>
+              </a:schemeClr>
+            </a:gs>
+            <a:gs pos="35000">
+              <a:schemeClr val="phClr">
+                <a:tint val="37000"/>
+                <a:satMod val="300000"/>
+              </a:schemeClr>
+            </a:gs>
+            <a:gs pos="100000">
+              <a:schemeClr val="phClr">
+                <a:tint val="15000"/>
+                <a:satMod val="350000"/>
+              </a:schemeClr>
+            </a:gs>
+          </a:gsLst>
+          <a:lin ang="16200000" scaled="1"/>
+        </a:gradFill>
+        <a:gradFill rotWithShape="1">
+          <a:gsLst>
+            <a:gs pos="0">
+              <a:schemeClr val="phClr">
+                <a:tint val="100000"/>
+                <a:shade val="100000"/>
+                <a:satMod val="130000"/>
+              </a:schemeClr>
+            </a:gs>
+            <a:gs pos="100000">
+              <a:schemeClr val="phClr">
+                <a:tint val="50000"/>
+                <a:shade val="100000"/>
+                <a:satMod val="350000"/>
+              </a:schemeClr>
+            </a:gs>
+          </a:gsLst>
+          <a:lin ang="16200000" scaled="0"/>
+        </a:gradFill>
+      </a:fillStyleLst>
+      <a:lnStyleLst>
+        <a:ln w="9525" cap="flat" cmpd="sng" algn="ctr">
+          <a:solidFill>
+            <a:schemeClr val="phClr">
+              <a:shade val="95000"/>
+              <a:satMod val="105000"/>
+            </a:schemeClr>
+          </a:solidFill>
+          <a:prstDash val="solid"/>
+        </a:ln>
+        <a:ln w="25400" cap="flat" cmpd="sng" algn="ctr">
+          <a:solidFill>
+            <a:schemeClr val="phClr"/>
+          </a:solidFill>
+          <a:prstDash val="solid"/>
+        </a:ln>
+        <a:ln w="38100" cap="flat" cmpd="sng" algn="ctr">
+          <a:solidFill>
+            <a:schemeClr val="phClr"/>
+          </a:solidFill>
+          <a:prstDash val="solid"/>
+        </a:ln>
+      </a:lnStyleLst>
+      <a:effectStyleLst>
+        <a:effectStyle>
+          <a:effectLst>
+            <a:outerShdw blurRad="40000" dist="20000" dir="5400000" rotWithShape="0">
+              <a:srgbClr val="000000">
+                <a:alpha val="38000"/>
+              </a:srgbClr>
+            </a:outerShdw>
+          </a:effectLst>
+        </a:effectStyle>
+        <a:effectStyle>
+          <a:effectLst>
+            <a:outerShdw blurRad="40000" dist="23000" dir="5400000" rotWithShape="0">
+              <a:srgbClr val="000000">
+                <a:alpha val="35000"/>
+              </a:srgbClr>
+            </a:outerShdw>
+          </a:effectLst>
+        </a:effectStyle>
+        <a:effectStyle>
+          <a:effectLst>
+            <a:outerShdw blurRad="40000" dist="23000" dir="5400000" rotWithShape="0">
+              <a:srgbClr val="000000">
+                <a:alpha val="35000"/>
+              </a:srgbClr>
+            </a:outerShdw>
+          </a:effectLst>
+          <a:scene3d>
+            <a:camera prst="orthographicFront">
+              <a:rot lat="0" lon="0" rev="0"/>
+            </a:camera>
+            <a:lightRig rig="threePt" dir="t">
+              <a:rot lat="0" lon="0" rev="1200000"/>
+            </a:lightRig>
+          </a:scene3d>
+          <a:sp3d>
+            <a:bevelT w="63500" h="25400"/>
+          </a:sp3d>
+        </a:effectStyle>
+      </a:effectStyleLst>
+      <a:bgFillStyleLst>
+        <a:solidFill>
+          <a:schemeClr val="phClr"/>
+        </a:solidFill>
+        <a:gradFill rotWithShape="1">
+          <a:gsLst>
+            <a:gs pos="0">
+              <a:schemeClr val="phClr">
+                <a:tint val="40000"/>
+                <a:satMod val="350000"/>
+              </a:schemeClr>
+            </a:gs>
+            <a:gs pos="40000">
+              <a:schemeClr val="phClr">
+                <a:tint val="45000"/>
+                <a:shade val="99000"/>
+                <a:satMod val="350000"/>
+              </a:schemeClr>
+            </a:gs>
+            <a:gs pos="100000">
+              <a:schemeClr val="phClr">
+                <a:shade val="20000"/>
+                <a:satMod val="255000"/>
+              </a:schemeClr>
+            </a:gs>
+          </a:gsLst>
+          <a:path path="circle">
+            <a:fillToRect l="50000" t="-80000" r="50000" b="180000"/>
+          </a:path>
+        </a:gradFill>
+        <a:gradFill rotWithShape="1">
+          <a:gsLst>
+            <a:gs pos="0">
+              <a:schemeClr val="phClr">
+                <a:tint val="80000"/>
+                <a:satMod val="300000"/>
+              </a:schemeClr>
+            </a:gs>
+            <a:gs pos="100000">
+              <a:schemeClr val="phClr">
+                <a:shade val="30000"/>
+                <a:satMod val="200000"/>
+              </a:schemeClr>
+            </a:gs>
+          </a:gsLst>
+          <a:path path="circle">
+            <a:fillToRect l="50000" t="50000" r="50000" b="50000"/>
+          </a:path>
+        </a:gradFill>
+      </a:bgFillStyleLst>
+    </a:fmtScheme>
+  </a:themeElements>
+</a:theme>
+</file>
+
+<file path=ppt/theme/theme2.xml><?xml version="1.0" encoding="utf-8"?>
 <a:theme xmlns:a="http://schemas.openxmlformats.org/drawingml/2006/main" xmlns:r="http://schemas.openxmlformats.org/officeDocument/2006/relationships" name="Tema do Office">
   <a:themeElements>
     <a:clrScheme name="Office">
@@ -12047,283 +13633,4 @@
     </a:fmtScheme>
   </a:themeElements>
 </a:theme>
-</file>
-
-<file path=ppt/theme/theme2.xml><?xml version="1.0" encoding="utf-8"?>
-<a:theme xmlns:a="http://schemas.openxmlformats.org/drawingml/2006/main" xmlns:r="http://schemas.openxmlformats.org/officeDocument/2006/relationships">
-  <a:themeElements>
-    <a:clrScheme name="Default">
-      <a:dk1>
-        <a:srgbClr val="000000"/>
-      </a:dk1>
-      <a:lt1>
-        <a:srgbClr val="FFFFFF"/>
-      </a:lt1>
-      <a:dk2>
-        <a:srgbClr val="158158"/>
-      </a:dk2>
-      <a:lt2>
-        <a:srgbClr val="F3F3F3"/>
-      </a:lt2>
-      <a:accent1>
-        <a:srgbClr val="058DC7"/>
-      </a:accent1>
-      <a:accent2>
-        <a:srgbClr val="50B432"/>
-      </a:accent2>
-      <a:accent3>
-        <a:srgbClr val="ED561B"/>
-      </a:accent3>
-      <a:accent4>
-        <a:srgbClr val="EDEF00"/>
-      </a:accent4>
-      <a:accent5>
-        <a:srgbClr val="24CBE5"/>
-      </a:accent5>
-      <a:accent6>
-        <a:srgbClr val="64E572"/>
-      </a:accent6>
-      <a:hlink>
-        <a:srgbClr val="2200CC"/>
-      </a:hlink>
-      <a:folHlink>
-        <a:srgbClr val="551A8B"/>
-      </a:folHlink>
-    </a:clrScheme>
-    <a:fontScheme name="Office">
-      <a:majorFont>
-        <a:latin typeface="Arial"/>
-        <a:ea typeface=""/>
-        <a:cs typeface=""/>
-        <a:font script="Jpan" typeface="ＭＳ Ｐゴシック"/>
-        <a:font script="Hang" typeface="맑은 고딕"/>
-        <a:font script="Hans" typeface="宋体"/>
-        <a:font script="Hant" typeface="新細明體"/>
-        <a:font script="Arab" typeface="Times New Roman"/>
-        <a:font script="Hebr" typeface="Times New Roman"/>
-        <a:font script="Thai" typeface="Angsana New"/>
-        <a:font script="Ethi" typeface="Nyala"/>
-        <a:font script="Beng" typeface="Vrinda"/>
-        <a:font script="Gujr" typeface="Shruti"/>
-        <a:font script="Khmr" typeface="MoolBoran"/>
-        <a:font script="Knda" typeface="Tunga"/>
-        <a:font script="Guru" typeface="Raavi"/>
-        <a:font script="Cans" typeface="Euphemia"/>
-        <a:font script="Cher" typeface="Plantagenet Cherokee"/>
-        <a:font script="Yiii" typeface="Microsoft Yi Baiti"/>
-        <a:font script="Tibt" typeface="Microsoft Himalaya"/>
-        <a:font script="Thaa" typeface="MV Boli"/>
-        <a:font script="Deva" typeface="Mangal"/>
-        <a:font script="Telu" typeface="Gautami"/>
-        <a:font script="Taml" typeface="Latha"/>
-        <a:font script="Syrc" typeface="Estrangelo Edessa"/>
-        <a:font script="Orya" typeface="Kalinga"/>
-        <a:font script="Mlym" typeface="Kartika"/>
-        <a:font script="Laoo" typeface="DokChampa"/>
-        <a:font script="Sinh" typeface="Iskoola Pota"/>
-        <a:font script="Mong" typeface="Mongolian Baiti"/>
-        <a:font script="Viet" typeface="Times New Roman"/>
-        <a:font script="Uigh" typeface="Microsoft Uighur"/>
-        <a:font script="Geor" typeface="Sylfaen"/>
-      </a:majorFont>
-      <a:minorFont>
-        <a:latin typeface="Arial"/>
-        <a:ea typeface=""/>
-        <a:cs typeface=""/>
-        <a:font script="Jpan" typeface="ＭＳ Ｐゴシック"/>
-        <a:font script="Hang" typeface="맑은 고딕"/>
-        <a:font script="Hans" typeface="宋体"/>
-        <a:font script="Hant" typeface="新細明體"/>
-        <a:font script="Arab" typeface="Arial"/>
-        <a:font script="Hebr" typeface="Arial"/>
-        <a:font script="Thai" typeface="Cordia New"/>
-        <a:font script="Ethi" typeface="Nyala"/>
-        <a:font script="Beng" typeface="Vrinda"/>
-        <a:font script="Gujr" typeface="Shruti"/>
-        <a:font script="Khmr" typeface="DaunPenh"/>
-        <a:font script="Knda" typeface="Tunga"/>
-        <a:font script="Guru" typeface="Raavi"/>
-        <a:font script="Cans" typeface="Euphemia"/>
-        <a:font script="Cher" typeface="Plantagenet Cherokee"/>
-        <a:font script="Yiii" typeface="Microsoft Yi Baiti"/>
-        <a:font script="Tibt" typeface="Microsoft Himalaya"/>
-        <a:font script="Thaa" typeface="MV Boli"/>
-        <a:font script="Deva" typeface="Mangal"/>
-        <a:font script="Telu" typeface="Gautami"/>
-        <a:font script="Taml" typeface="Latha"/>
-        <a:font script="Syrc" typeface="Estrangelo Edessa"/>
-        <a:font script="Orya" typeface="Kalinga"/>
-        <a:font script="Mlym" typeface="Kartika"/>
-        <a:font script="Laoo" typeface="DokChampa"/>
-        <a:font script="Sinh" typeface="Iskoola Pota"/>
-        <a:font script="Mong" typeface="Mongolian Baiti"/>
-        <a:font script="Viet" typeface="Arial"/>
-        <a:font script="Uigh" typeface="Microsoft Uighur"/>
-        <a:font script="Geor" typeface="Sylfaen"/>
-      </a:minorFont>
-    </a:fontScheme>
-    <a:fmtScheme name="Office">
-      <a:fillStyleLst>
-        <a:solidFill>
-          <a:schemeClr val="phClr"/>
-        </a:solidFill>
-        <a:gradFill rotWithShape="1">
-          <a:gsLst>
-            <a:gs pos="0">
-              <a:schemeClr val="phClr">
-                <a:tint val="50000"/>
-                <a:satMod val="300000"/>
-              </a:schemeClr>
-            </a:gs>
-            <a:gs pos="35000">
-              <a:schemeClr val="phClr">
-                <a:tint val="37000"/>
-                <a:satMod val="300000"/>
-              </a:schemeClr>
-            </a:gs>
-            <a:gs pos="100000">
-              <a:schemeClr val="phClr">
-                <a:tint val="15000"/>
-                <a:satMod val="350000"/>
-              </a:schemeClr>
-            </a:gs>
-          </a:gsLst>
-          <a:lin ang="16200000" scaled="1"/>
-        </a:gradFill>
-        <a:gradFill rotWithShape="1">
-          <a:gsLst>
-            <a:gs pos="0">
-              <a:schemeClr val="phClr">
-                <a:tint val="100000"/>
-                <a:shade val="100000"/>
-                <a:satMod val="130000"/>
-              </a:schemeClr>
-            </a:gs>
-            <a:gs pos="100000">
-              <a:schemeClr val="phClr">
-                <a:tint val="50000"/>
-                <a:shade val="100000"/>
-                <a:satMod val="350000"/>
-              </a:schemeClr>
-            </a:gs>
-          </a:gsLst>
-          <a:lin ang="16200000" scaled="0"/>
-        </a:gradFill>
-      </a:fillStyleLst>
-      <a:lnStyleLst>
-        <a:ln w="9525" cap="flat" cmpd="sng" algn="ctr">
-          <a:solidFill>
-            <a:schemeClr val="phClr">
-              <a:shade val="95000"/>
-              <a:satMod val="105000"/>
-            </a:schemeClr>
-          </a:solidFill>
-          <a:prstDash val="solid"/>
-        </a:ln>
-        <a:ln w="25400" cap="flat" cmpd="sng" algn="ctr">
-          <a:solidFill>
-            <a:schemeClr val="phClr"/>
-          </a:solidFill>
-          <a:prstDash val="solid"/>
-        </a:ln>
-        <a:ln w="38100" cap="flat" cmpd="sng" algn="ctr">
-          <a:solidFill>
-            <a:schemeClr val="phClr"/>
-          </a:solidFill>
-          <a:prstDash val="solid"/>
-        </a:ln>
-      </a:lnStyleLst>
-      <a:effectStyleLst>
-        <a:effectStyle>
-          <a:effectLst>
-            <a:outerShdw blurRad="40000" dist="20000" dir="5400000" rotWithShape="0">
-              <a:srgbClr val="000000">
-                <a:alpha val="38000"/>
-              </a:srgbClr>
-            </a:outerShdw>
-          </a:effectLst>
-        </a:effectStyle>
-        <a:effectStyle>
-          <a:effectLst>
-            <a:outerShdw blurRad="40000" dist="23000" dir="5400000" rotWithShape="0">
-              <a:srgbClr val="000000">
-                <a:alpha val="35000"/>
-              </a:srgbClr>
-            </a:outerShdw>
-          </a:effectLst>
-        </a:effectStyle>
-        <a:effectStyle>
-          <a:effectLst>
-            <a:outerShdw blurRad="40000" dist="23000" dir="5400000" rotWithShape="0">
-              <a:srgbClr val="000000">
-                <a:alpha val="35000"/>
-              </a:srgbClr>
-            </a:outerShdw>
-          </a:effectLst>
-          <a:scene3d>
-            <a:camera prst="orthographicFront">
-              <a:rot lat="0" lon="0" rev="0"/>
-            </a:camera>
-            <a:lightRig rig="threePt" dir="t">
-              <a:rot lat="0" lon="0" rev="1200000"/>
-            </a:lightRig>
-          </a:scene3d>
-          <a:sp3d>
-            <a:bevelT w="63500" h="25400"/>
-          </a:sp3d>
-        </a:effectStyle>
-      </a:effectStyleLst>
-      <a:bgFillStyleLst>
-        <a:solidFill>
-          <a:schemeClr val="phClr"/>
-        </a:solidFill>
-        <a:gradFill rotWithShape="1">
-          <a:gsLst>
-            <a:gs pos="0">
-              <a:schemeClr val="phClr">
-                <a:tint val="40000"/>
-                <a:satMod val="350000"/>
-              </a:schemeClr>
-            </a:gs>
-            <a:gs pos="40000">
-              <a:schemeClr val="phClr">
-                <a:tint val="45000"/>
-                <a:shade val="99000"/>
-                <a:satMod val="350000"/>
-              </a:schemeClr>
-            </a:gs>
-            <a:gs pos="100000">
-              <a:schemeClr val="phClr">
-                <a:shade val="20000"/>
-                <a:satMod val="255000"/>
-              </a:schemeClr>
-            </a:gs>
-          </a:gsLst>
-          <a:path path="circle">
-            <a:fillToRect l="50000" t="-80000" r="50000" b="180000"/>
-          </a:path>
-        </a:gradFill>
-        <a:gradFill rotWithShape="1">
-          <a:gsLst>
-            <a:gs pos="0">
-              <a:schemeClr val="phClr">
-                <a:tint val="80000"/>
-                <a:satMod val="300000"/>
-              </a:schemeClr>
-            </a:gs>
-            <a:gs pos="100000">
-              <a:schemeClr val="phClr">
-                <a:shade val="30000"/>
-                <a:satMod val="200000"/>
-              </a:schemeClr>
-            </a:gs>
-          </a:gsLst>
-          <a:path path="circle">
-            <a:fillToRect l="50000" t="50000" r="50000" b="50000"/>
-          </a:path>
-        </a:gradFill>
-      </a:bgFillStyleLst>
-    </a:fmtScheme>
-  </a:themeElements>
-</a:theme>
 </file>